--- a/ppt 16-9/0868.我的心渴望而等.pptx
+++ b/ppt 16-9/0868.我的心渴望而等.pptx
@@ -129,7 +129,7 @@
           <p:cNvPr id="2" name="标题 1">
             <a:extLst>
               <a:ext uri="{FF2B5EF4-FFF2-40B4-BE49-F238E27FC236}">
-                <a16:creationId xmlns:a16="http://schemas.microsoft.com/office/drawing/2014/main" id="{5AFFCDCD-D53E-BF5A-C934-1EB15409DDC1}"/>
+                <a16:creationId xmlns:a16="http://schemas.microsoft.com/office/drawing/2014/main" id="{2646118E-152D-308D-9D8B-9395475932EE}"/>
               </a:ext>
             </a:extLst>
           </p:cNvPr>
@@ -166,7 +166,7 @@
           <p:cNvPr id="3" name="副标题 2">
             <a:extLst>
               <a:ext uri="{FF2B5EF4-FFF2-40B4-BE49-F238E27FC236}">
-                <a16:creationId xmlns:a16="http://schemas.microsoft.com/office/drawing/2014/main" id="{8EA076B4-2C50-1E53-CB4F-2C0E62595193}"/>
+                <a16:creationId xmlns:a16="http://schemas.microsoft.com/office/drawing/2014/main" id="{21801D3B-F820-C8AD-D4A1-60CAF136AADB}"/>
               </a:ext>
             </a:extLst>
           </p:cNvPr>
@@ -236,7 +236,7 @@
           <p:cNvPr id="4" name="日期占位符 3">
             <a:extLst>
               <a:ext uri="{FF2B5EF4-FFF2-40B4-BE49-F238E27FC236}">
-                <a16:creationId xmlns:a16="http://schemas.microsoft.com/office/drawing/2014/main" id="{66F5CF87-375E-7E2C-8D44-5A89054A5F42}"/>
+                <a16:creationId xmlns:a16="http://schemas.microsoft.com/office/drawing/2014/main" id="{997BA1DD-FF10-89B3-4458-6A84A37A67A3}"/>
               </a:ext>
             </a:extLst>
           </p:cNvPr>
@@ -252,7 +252,7 @@
           <a:bodyPr/>
           <a:lstStyle/>
           <a:p>
-            <a:fld id="{D617A9AA-3E0A-4552-9766-E77860AC7CA3}" type="datetimeFigureOut">
+            <a:fld id="{2B9D8797-259A-4301-A8C6-2271B7801B07}" type="datetimeFigureOut">
               <a:rPr lang="zh-CN" altLang="en-US" smtClean="0"/>
               <a:t>2024/3/10</a:t>
             </a:fld>
@@ -265,7 +265,7 @@
           <p:cNvPr id="5" name="页脚占位符 4">
             <a:extLst>
               <a:ext uri="{FF2B5EF4-FFF2-40B4-BE49-F238E27FC236}">
-                <a16:creationId xmlns:a16="http://schemas.microsoft.com/office/drawing/2014/main" id="{28D04EDF-4ECE-F9D3-FCF3-D3E2496C9D1E}"/>
+                <a16:creationId xmlns:a16="http://schemas.microsoft.com/office/drawing/2014/main" id="{BD33FE33-7529-7BB1-3224-9D40C9585B5E}"/>
               </a:ext>
             </a:extLst>
           </p:cNvPr>
@@ -290,7 +290,7 @@
           <p:cNvPr id="6" name="灯片编号占位符 5">
             <a:extLst>
               <a:ext uri="{FF2B5EF4-FFF2-40B4-BE49-F238E27FC236}">
-                <a16:creationId xmlns:a16="http://schemas.microsoft.com/office/drawing/2014/main" id="{C19DF517-5A56-24F0-FF2C-58AB31A36AF2}"/>
+                <a16:creationId xmlns:a16="http://schemas.microsoft.com/office/drawing/2014/main" id="{61FB6A14-FA31-5685-5956-3FAB774E2806}"/>
               </a:ext>
             </a:extLst>
           </p:cNvPr>
@@ -306,7 +306,7 @@
           <a:bodyPr/>
           <a:lstStyle/>
           <a:p>
-            <a:fld id="{540CBC2D-9AFF-40C3-B10A-0BAE31851B3B}" type="slidenum">
+            <a:fld id="{85FBD0AD-6C4D-45E1-B2CB-19765C2C440B}" type="slidenum">
               <a:rPr lang="zh-CN" altLang="en-US" smtClean="0"/>
               <a:t>‹#›</a:t>
             </a:fld>
@@ -317,7 +317,7 @@
     </p:spTree>
     <p:extLst>
       <p:ext uri="{BB962C8B-B14F-4D97-AF65-F5344CB8AC3E}">
-        <p14:creationId xmlns:p14="http://schemas.microsoft.com/office/powerpoint/2010/main" val="3058311025"/>
+        <p14:creationId xmlns:p14="http://schemas.microsoft.com/office/powerpoint/2010/main" val="1598141401"/>
       </p:ext>
     </p:extLst>
   </p:cSld>
@@ -349,7 +349,7 @@
           <p:cNvPr id="2" name="标题 1">
             <a:extLst>
               <a:ext uri="{FF2B5EF4-FFF2-40B4-BE49-F238E27FC236}">
-                <a16:creationId xmlns:a16="http://schemas.microsoft.com/office/drawing/2014/main" id="{BDEEEE05-FE13-7E00-4F6D-035AAF638274}"/>
+                <a16:creationId xmlns:a16="http://schemas.microsoft.com/office/drawing/2014/main" id="{FE8CF3BA-7781-03B3-1A31-27DB3854D7BC}"/>
               </a:ext>
             </a:extLst>
           </p:cNvPr>
@@ -377,7 +377,7 @@
           <p:cNvPr id="3" name="竖排文字占位符 2">
             <a:extLst>
               <a:ext uri="{FF2B5EF4-FFF2-40B4-BE49-F238E27FC236}">
-                <a16:creationId xmlns:a16="http://schemas.microsoft.com/office/drawing/2014/main" id="{E376029A-8AD3-77F3-50E6-4039D2532A44}"/>
+                <a16:creationId xmlns:a16="http://schemas.microsoft.com/office/drawing/2014/main" id="{88AE1F2C-4FCD-7C85-CC59-2E1CC37BE2E6}"/>
               </a:ext>
             </a:extLst>
           </p:cNvPr>
@@ -434,7 +434,7 @@
           <p:cNvPr id="4" name="日期占位符 3">
             <a:extLst>
               <a:ext uri="{FF2B5EF4-FFF2-40B4-BE49-F238E27FC236}">
-                <a16:creationId xmlns:a16="http://schemas.microsoft.com/office/drawing/2014/main" id="{39EBDFF5-97B6-9FAE-CDEC-0CFFAD8FA2B5}"/>
+                <a16:creationId xmlns:a16="http://schemas.microsoft.com/office/drawing/2014/main" id="{7DBB9A79-31F3-810E-903A-BFE347C64771}"/>
               </a:ext>
             </a:extLst>
           </p:cNvPr>
@@ -450,7 +450,7 @@
           <a:bodyPr/>
           <a:lstStyle/>
           <a:p>
-            <a:fld id="{D617A9AA-3E0A-4552-9766-E77860AC7CA3}" type="datetimeFigureOut">
+            <a:fld id="{2B9D8797-259A-4301-A8C6-2271B7801B07}" type="datetimeFigureOut">
               <a:rPr lang="zh-CN" altLang="en-US" smtClean="0"/>
               <a:t>2024/3/10</a:t>
             </a:fld>
@@ -463,7 +463,7 @@
           <p:cNvPr id="5" name="页脚占位符 4">
             <a:extLst>
               <a:ext uri="{FF2B5EF4-FFF2-40B4-BE49-F238E27FC236}">
-                <a16:creationId xmlns:a16="http://schemas.microsoft.com/office/drawing/2014/main" id="{D4074DFE-7D2F-81DA-D477-64333DDDF05C}"/>
+                <a16:creationId xmlns:a16="http://schemas.microsoft.com/office/drawing/2014/main" id="{73267DAF-1E82-D826-5753-3E9ED769E33A}"/>
               </a:ext>
             </a:extLst>
           </p:cNvPr>
@@ -488,7 +488,7 @@
           <p:cNvPr id="6" name="灯片编号占位符 5">
             <a:extLst>
               <a:ext uri="{FF2B5EF4-FFF2-40B4-BE49-F238E27FC236}">
-                <a16:creationId xmlns:a16="http://schemas.microsoft.com/office/drawing/2014/main" id="{99ECAB73-11F1-A316-B7B4-08D4565AAF69}"/>
+                <a16:creationId xmlns:a16="http://schemas.microsoft.com/office/drawing/2014/main" id="{8FD4D86E-EF43-4618-2B36-A51EBAEAAE3A}"/>
               </a:ext>
             </a:extLst>
           </p:cNvPr>
@@ -504,7 +504,7 @@
           <a:bodyPr/>
           <a:lstStyle/>
           <a:p>
-            <a:fld id="{540CBC2D-9AFF-40C3-B10A-0BAE31851B3B}" type="slidenum">
+            <a:fld id="{85FBD0AD-6C4D-45E1-B2CB-19765C2C440B}" type="slidenum">
               <a:rPr lang="zh-CN" altLang="en-US" smtClean="0"/>
               <a:t>‹#›</a:t>
             </a:fld>
@@ -515,7 +515,7 @@
     </p:spTree>
     <p:extLst>
       <p:ext uri="{BB962C8B-B14F-4D97-AF65-F5344CB8AC3E}">
-        <p14:creationId xmlns:p14="http://schemas.microsoft.com/office/powerpoint/2010/main" val="3457717446"/>
+        <p14:creationId xmlns:p14="http://schemas.microsoft.com/office/powerpoint/2010/main" val="4262136500"/>
       </p:ext>
     </p:extLst>
   </p:cSld>
@@ -547,7 +547,7 @@
           <p:cNvPr id="2" name="竖排标题 1">
             <a:extLst>
               <a:ext uri="{FF2B5EF4-FFF2-40B4-BE49-F238E27FC236}">
-                <a16:creationId xmlns:a16="http://schemas.microsoft.com/office/drawing/2014/main" id="{EEB9F921-835C-BAC4-C754-2FDF67DAAEFE}"/>
+                <a16:creationId xmlns:a16="http://schemas.microsoft.com/office/drawing/2014/main" id="{5C24BC8E-C94D-C0C5-0CD5-9E99B9226559}"/>
               </a:ext>
             </a:extLst>
           </p:cNvPr>
@@ -580,7 +580,7 @@
           <p:cNvPr id="3" name="竖排文字占位符 2">
             <a:extLst>
               <a:ext uri="{FF2B5EF4-FFF2-40B4-BE49-F238E27FC236}">
-                <a16:creationId xmlns:a16="http://schemas.microsoft.com/office/drawing/2014/main" id="{77F3AB3D-A692-3132-9AE2-3DC68EF2D861}"/>
+                <a16:creationId xmlns:a16="http://schemas.microsoft.com/office/drawing/2014/main" id="{7066C76A-4A23-3E5E-87D7-9B98DF1BB4EB}"/>
               </a:ext>
             </a:extLst>
           </p:cNvPr>
@@ -642,7 +642,7 @@
           <p:cNvPr id="4" name="日期占位符 3">
             <a:extLst>
               <a:ext uri="{FF2B5EF4-FFF2-40B4-BE49-F238E27FC236}">
-                <a16:creationId xmlns:a16="http://schemas.microsoft.com/office/drawing/2014/main" id="{AF55BAF3-D320-3355-41F8-4E410110AFF2}"/>
+                <a16:creationId xmlns:a16="http://schemas.microsoft.com/office/drawing/2014/main" id="{26BA3AC5-6237-0A51-8067-7121E934D3E1}"/>
               </a:ext>
             </a:extLst>
           </p:cNvPr>
@@ -658,7 +658,7 @@
           <a:bodyPr/>
           <a:lstStyle/>
           <a:p>
-            <a:fld id="{D617A9AA-3E0A-4552-9766-E77860AC7CA3}" type="datetimeFigureOut">
+            <a:fld id="{2B9D8797-259A-4301-A8C6-2271B7801B07}" type="datetimeFigureOut">
               <a:rPr lang="zh-CN" altLang="en-US" smtClean="0"/>
               <a:t>2024/3/10</a:t>
             </a:fld>
@@ -671,7 +671,7 @@
           <p:cNvPr id="5" name="页脚占位符 4">
             <a:extLst>
               <a:ext uri="{FF2B5EF4-FFF2-40B4-BE49-F238E27FC236}">
-                <a16:creationId xmlns:a16="http://schemas.microsoft.com/office/drawing/2014/main" id="{F4512862-2BD8-D5C3-ABFE-F8E51F32FE13}"/>
+                <a16:creationId xmlns:a16="http://schemas.microsoft.com/office/drawing/2014/main" id="{10CD79C5-CC4B-6F2A-FDE1-5360B32C0F94}"/>
               </a:ext>
             </a:extLst>
           </p:cNvPr>
@@ -696,7 +696,7 @@
           <p:cNvPr id="6" name="灯片编号占位符 5">
             <a:extLst>
               <a:ext uri="{FF2B5EF4-FFF2-40B4-BE49-F238E27FC236}">
-                <a16:creationId xmlns:a16="http://schemas.microsoft.com/office/drawing/2014/main" id="{410B1FDE-660E-6A78-F3CB-5BA11F2C51CC}"/>
+                <a16:creationId xmlns:a16="http://schemas.microsoft.com/office/drawing/2014/main" id="{B5B92AAF-E752-18EC-D6AA-2ED59E96C442}"/>
               </a:ext>
             </a:extLst>
           </p:cNvPr>
@@ -712,7 +712,7 @@
           <a:bodyPr/>
           <a:lstStyle/>
           <a:p>
-            <a:fld id="{540CBC2D-9AFF-40C3-B10A-0BAE31851B3B}" type="slidenum">
+            <a:fld id="{85FBD0AD-6C4D-45E1-B2CB-19765C2C440B}" type="slidenum">
               <a:rPr lang="zh-CN" altLang="en-US" smtClean="0"/>
               <a:t>‹#›</a:t>
             </a:fld>
@@ -723,7 +723,7 @@
     </p:spTree>
     <p:extLst>
       <p:ext uri="{BB962C8B-B14F-4D97-AF65-F5344CB8AC3E}">
-        <p14:creationId xmlns:p14="http://schemas.microsoft.com/office/powerpoint/2010/main" val="1577868620"/>
+        <p14:creationId xmlns:p14="http://schemas.microsoft.com/office/powerpoint/2010/main" val="28392570"/>
       </p:ext>
     </p:extLst>
   </p:cSld>
@@ -755,7 +755,7 @@
           <p:cNvPr id="2" name="标题 1">
             <a:extLst>
               <a:ext uri="{FF2B5EF4-FFF2-40B4-BE49-F238E27FC236}">
-                <a16:creationId xmlns:a16="http://schemas.microsoft.com/office/drawing/2014/main" id="{3A8D4E47-670C-9FFF-5114-AC908CD69015}"/>
+                <a16:creationId xmlns:a16="http://schemas.microsoft.com/office/drawing/2014/main" id="{BEEA3C56-9AFD-2C4E-26BF-AFECC5419BEE}"/>
               </a:ext>
             </a:extLst>
           </p:cNvPr>
@@ -783,7 +783,7 @@
           <p:cNvPr id="3" name="内容占位符 2">
             <a:extLst>
               <a:ext uri="{FF2B5EF4-FFF2-40B4-BE49-F238E27FC236}">
-                <a16:creationId xmlns:a16="http://schemas.microsoft.com/office/drawing/2014/main" id="{3C5A5C69-5B16-546D-3934-9D891CE0C99B}"/>
+                <a16:creationId xmlns:a16="http://schemas.microsoft.com/office/drawing/2014/main" id="{FE1F1901-EC4F-261B-2996-BF8CFA6C2B20}"/>
               </a:ext>
             </a:extLst>
           </p:cNvPr>
@@ -840,7 +840,7 @@
           <p:cNvPr id="4" name="日期占位符 3">
             <a:extLst>
               <a:ext uri="{FF2B5EF4-FFF2-40B4-BE49-F238E27FC236}">
-                <a16:creationId xmlns:a16="http://schemas.microsoft.com/office/drawing/2014/main" id="{3FD8EB30-A06E-3737-4744-F4D3068397DA}"/>
+                <a16:creationId xmlns:a16="http://schemas.microsoft.com/office/drawing/2014/main" id="{ACBCF9CF-6198-F3A6-3BA2-A2B65A922AC9}"/>
               </a:ext>
             </a:extLst>
           </p:cNvPr>
@@ -856,7 +856,7 @@
           <a:bodyPr/>
           <a:lstStyle/>
           <a:p>
-            <a:fld id="{D617A9AA-3E0A-4552-9766-E77860AC7CA3}" type="datetimeFigureOut">
+            <a:fld id="{2B9D8797-259A-4301-A8C6-2271B7801B07}" type="datetimeFigureOut">
               <a:rPr lang="zh-CN" altLang="en-US" smtClean="0"/>
               <a:t>2024/3/10</a:t>
             </a:fld>
@@ -869,7 +869,7 @@
           <p:cNvPr id="5" name="页脚占位符 4">
             <a:extLst>
               <a:ext uri="{FF2B5EF4-FFF2-40B4-BE49-F238E27FC236}">
-                <a16:creationId xmlns:a16="http://schemas.microsoft.com/office/drawing/2014/main" id="{CB5777AF-12F6-D156-E9BA-3C8E781E84F4}"/>
+                <a16:creationId xmlns:a16="http://schemas.microsoft.com/office/drawing/2014/main" id="{311E7AF5-2243-A9E5-3672-E8C1E0D2E9D2}"/>
               </a:ext>
             </a:extLst>
           </p:cNvPr>
@@ -894,7 +894,7 @@
           <p:cNvPr id="6" name="灯片编号占位符 5">
             <a:extLst>
               <a:ext uri="{FF2B5EF4-FFF2-40B4-BE49-F238E27FC236}">
-                <a16:creationId xmlns:a16="http://schemas.microsoft.com/office/drawing/2014/main" id="{EDF4D33A-980E-24D7-2ADD-0B1E36A15FEF}"/>
+                <a16:creationId xmlns:a16="http://schemas.microsoft.com/office/drawing/2014/main" id="{5D614D34-64E1-4557-BCBD-8E8050A02A4C}"/>
               </a:ext>
             </a:extLst>
           </p:cNvPr>
@@ -910,7 +910,7 @@
           <a:bodyPr/>
           <a:lstStyle/>
           <a:p>
-            <a:fld id="{540CBC2D-9AFF-40C3-B10A-0BAE31851B3B}" type="slidenum">
+            <a:fld id="{85FBD0AD-6C4D-45E1-B2CB-19765C2C440B}" type="slidenum">
               <a:rPr lang="zh-CN" altLang="en-US" smtClean="0"/>
               <a:t>‹#›</a:t>
             </a:fld>
@@ -921,7 +921,7 @@
     </p:spTree>
     <p:extLst>
       <p:ext uri="{BB962C8B-B14F-4D97-AF65-F5344CB8AC3E}">
-        <p14:creationId xmlns:p14="http://schemas.microsoft.com/office/powerpoint/2010/main" val="3018323760"/>
+        <p14:creationId xmlns:p14="http://schemas.microsoft.com/office/powerpoint/2010/main" val="1432658154"/>
       </p:ext>
     </p:extLst>
   </p:cSld>
@@ -953,7 +953,7 @@
           <p:cNvPr id="2" name="标题 1">
             <a:extLst>
               <a:ext uri="{FF2B5EF4-FFF2-40B4-BE49-F238E27FC236}">
-                <a16:creationId xmlns:a16="http://schemas.microsoft.com/office/drawing/2014/main" id="{6BD1F979-0BD8-3436-264D-E13366400EB3}"/>
+                <a16:creationId xmlns:a16="http://schemas.microsoft.com/office/drawing/2014/main" id="{819D418D-7825-FAF7-699C-94F84527F230}"/>
               </a:ext>
             </a:extLst>
           </p:cNvPr>
@@ -990,7 +990,7 @@
           <p:cNvPr id="3" name="文本占位符 2">
             <a:extLst>
               <a:ext uri="{FF2B5EF4-FFF2-40B4-BE49-F238E27FC236}">
-                <a16:creationId xmlns:a16="http://schemas.microsoft.com/office/drawing/2014/main" id="{430B97B9-1C77-39D3-D54F-87B35F63D43F}"/>
+                <a16:creationId xmlns:a16="http://schemas.microsoft.com/office/drawing/2014/main" id="{641228CB-7CFD-E4C1-2A38-79054574271D}"/>
               </a:ext>
             </a:extLst>
           </p:cNvPr>
@@ -1115,7 +1115,7 @@
           <p:cNvPr id="4" name="日期占位符 3">
             <a:extLst>
               <a:ext uri="{FF2B5EF4-FFF2-40B4-BE49-F238E27FC236}">
-                <a16:creationId xmlns:a16="http://schemas.microsoft.com/office/drawing/2014/main" id="{59D4E098-12F0-D9CB-D644-3F596B5DF3B1}"/>
+                <a16:creationId xmlns:a16="http://schemas.microsoft.com/office/drawing/2014/main" id="{FED02679-3771-2084-03C8-AF4B33D33041}"/>
               </a:ext>
             </a:extLst>
           </p:cNvPr>
@@ -1131,7 +1131,7 @@
           <a:bodyPr/>
           <a:lstStyle/>
           <a:p>
-            <a:fld id="{D617A9AA-3E0A-4552-9766-E77860AC7CA3}" type="datetimeFigureOut">
+            <a:fld id="{2B9D8797-259A-4301-A8C6-2271B7801B07}" type="datetimeFigureOut">
               <a:rPr lang="zh-CN" altLang="en-US" smtClean="0"/>
               <a:t>2024/3/10</a:t>
             </a:fld>
@@ -1144,7 +1144,7 @@
           <p:cNvPr id="5" name="页脚占位符 4">
             <a:extLst>
               <a:ext uri="{FF2B5EF4-FFF2-40B4-BE49-F238E27FC236}">
-                <a16:creationId xmlns:a16="http://schemas.microsoft.com/office/drawing/2014/main" id="{47E43D42-93EA-F703-4B16-D46DDA074BDD}"/>
+                <a16:creationId xmlns:a16="http://schemas.microsoft.com/office/drawing/2014/main" id="{9F775540-0998-0760-11A4-6C79A4D6B692}"/>
               </a:ext>
             </a:extLst>
           </p:cNvPr>
@@ -1169,7 +1169,7 @@
           <p:cNvPr id="6" name="灯片编号占位符 5">
             <a:extLst>
               <a:ext uri="{FF2B5EF4-FFF2-40B4-BE49-F238E27FC236}">
-                <a16:creationId xmlns:a16="http://schemas.microsoft.com/office/drawing/2014/main" id="{517C7D27-8B72-59C1-7C96-D87420FCD21D}"/>
+                <a16:creationId xmlns:a16="http://schemas.microsoft.com/office/drawing/2014/main" id="{CD0DECA5-3DF5-4B6F-A6A4-EFC9453F4A8C}"/>
               </a:ext>
             </a:extLst>
           </p:cNvPr>
@@ -1185,7 +1185,7 @@
           <a:bodyPr/>
           <a:lstStyle/>
           <a:p>
-            <a:fld id="{540CBC2D-9AFF-40C3-B10A-0BAE31851B3B}" type="slidenum">
+            <a:fld id="{85FBD0AD-6C4D-45E1-B2CB-19765C2C440B}" type="slidenum">
               <a:rPr lang="zh-CN" altLang="en-US" smtClean="0"/>
               <a:t>‹#›</a:t>
             </a:fld>
@@ -1196,7 +1196,7 @@
     </p:spTree>
     <p:extLst>
       <p:ext uri="{BB962C8B-B14F-4D97-AF65-F5344CB8AC3E}">
-        <p14:creationId xmlns:p14="http://schemas.microsoft.com/office/powerpoint/2010/main" val="394431281"/>
+        <p14:creationId xmlns:p14="http://schemas.microsoft.com/office/powerpoint/2010/main" val="2768594288"/>
       </p:ext>
     </p:extLst>
   </p:cSld>
@@ -1228,7 +1228,7 @@
           <p:cNvPr id="2" name="标题 1">
             <a:extLst>
               <a:ext uri="{FF2B5EF4-FFF2-40B4-BE49-F238E27FC236}">
-                <a16:creationId xmlns:a16="http://schemas.microsoft.com/office/drawing/2014/main" id="{43B613AD-9F97-AE87-680B-516C19626DBA}"/>
+                <a16:creationId xmlns:a16="http://schemas.microsoft.com/office/drawing/2014/main" id="{DE29B814-924A-7E2A-2C4B-0D6FD70EA21A}"/>
               </a:ext>
             </a:extLst>
           </p:cNvPr>
@@ -1256,7 +1256,7 @@
           <p:cNvPr id="3" name="内容占位符 2">
             <a:extLst>
               <a:ext uri="{FF2B5EF4-FFF2-40B4-BE49-F238E27FC236}">
-                <a16:creationId xmlns:a16="http://schemas.microsoft.com/office/drawing/2014/main" id="{300BF644-214C-5387-296F-D0162B3CB510}"/>
+                <a16:creationId xmlns:a16="http://schemas.microsoft.com/office/drawing/2014/main" id="{8E258465-E82E-782A-9BCE-F0DAECB6450B}"/>
               </a:ext>
             </a:extLst>
           </p:cNvPr>
@@ -1318,7 +1318,7 @@
           <p:cNvPr id="4" name="内容占位符 3">
             <a:extLst>
               <a:ext uri="{FF2B5EF4-FFF2-40B4-BE49-F238E27FC236}">
-                <a16:creationId xmlns:a16="http://schemas.microsoft.com/office/drawing/2014/main" id="{B07D772C-96E5-05F4-CF4B-2E8238BB4F37}"/>
+                <a16:creationId xmlns:a16="http://schemas.microsoft.com/office/drawing/2014/main" id="{53EE36F7-9C47-B4B6-7052-0A35A18B7F2D}"/>
               </a:ext>
             </a:extLst>
           </p:cNvPr>
@@ -1380,7 +1380,7 @@
           <p:cNvPr id="5" name="日期占位符 4">
             <a:extLst>
               <a:ext uri="{FF2B5EF4-FFF2-40B4-BE49-F238E27FC236}">
-                <a16:creationId xmlns:a16="http://schemas.microsoft.com/office/drawing/2014/main" id="{0FC13CB7-3D7B-512F-FD30-BFCC18106C10}"/>
+                <a16:creationId xmlns:a16="http://schemas.microsoft.com/office/drawing/2014/main" id="{9F2F857D-DE39-9A99-2FE8-5FA5881A513D}"/>
               </a:ext>
             </a:extLst>
           </p:cNvPr>
@@ -1396,7 +1396,7 @@
           <a:bodyPr/>
           <a:lstStyle/>
           <a:p>
-            <a:fld id="{D617A9AA-3E0A-4552-9766-E77860AC7CA3}" type="datetimeFigureOut">
+            <a:fld id="{2B9D8797-259A-4301-A8C6-2271B7801B07}" type="datetimeFigureOut">
               <a:rPr lang="zh-CN" altLang="en-US" smtClean="0"/>
               <a:t>2024/3/10</a:t>
             </a:fld>
@@ -1409,7 +1409,7 @@
           <p:cNvPr id="6" name="页脚占位符 5">
             <a:extLst>
               <a:ext uri="{FF2B5EF4-FFF2-40B4-BE49-F238E27FC236}">
-                <a16:creationId xmlns:a16="http://schemas.microsoft.com/office/drawing/2014/main" id="{C1E87717-C023-1BD5-1431-8108D05CA493}"/>
+                <a16:creationId xmlns:a16="http://schemas.microsoft.com/office/drawing/2014/main" id="{6958BD95-E8B2-8766-5105-B340427C64A2}"/>
               </a:ext>
             </a:extLst>
           </p:cNvPr>
@@ -1434,7 +1434,7 @@
           <p:cNvPr id="7" name="灯片编号占位符 6">
             <a:extLst>
               <a:ext uri="{FF2B5EF4-FFF2-40B4-BE49-F238E27FC236}">
-                <a16:creationId xmlns:a16="http://schemas.microsoft.com/office/drawing/2014/main" id="{2CB21C62-A16E-2625-0DA6-873D9104CB06}"/>
+                <a16:creationId xmlns:a16="http://schemas.microsoft.com/office/drawing/2014/main" id="{A61098CD-F81B-87A7-2949-52F03F875408}"/>
               </a:ext>
             </a:extLst>
           </p:cNvPr>
@@ -1450,7 +1450,7 @@
           <a:bodyPr/>
           <a:lstStyle/>
           <a:p>
-            <a:fld id="{540CBC2D-9AFF-40C3-B10A-0BAE31851B3B}" type="slidenum">
+            <a:fld id="{85FBD0AD-6C4D-45E1-B2CB-19765C2C440B}" type="slidenum">
               <a:rPr lang="zh-CN" altLang="en-US" smtClean="0"/>
               <a:t>‹#›</a:t>
             </a:fld>
@@ -1461,7 +1461,7 @@
     </p:spTree>
     <p:extLst>
       <p:ext uri="{BB962C8B-B14F-4D97-AF65-F5344CB8AC3E}">
-        <p14:creationId xmlns:p14="http://schemas.microsoft.com/office/powerpoint/2010/main" val="2776725424"/>
+        <p14:creationId xmlns:p14="http://schemas.microsoft.com/office/powerpoint/2010/main" val="2883378647"/>
       </p:ext>
     </p:extLst>
   </p:cSld>
@@ -1493,7 +1493,7 @@
           <p:cNvPr id="2" name="标题 1">
             <a:extLst>
               <a:ext uri="{FF2B5EF4-FFF2-40B4-BE49-F238E27FC236}">
-                <a16:creationId xmlns:a16="http://schemas.microsoft.com/office/drawing/2014/main" id="{8D8F5E21-30DC-7AED-FAEC-E0130FABAB02}"/>
+                <a16:creationId xmlns:a16="http://schemas.microsoft.com/office/drawing/2014/main" id="{B7DBBB70-CE6D-58C0-3B8E-FA4EEBF8ECAF}"/>
               </a:ext>
             </a:extLst>
           </p:cNvPr>
@@ -1526,7 +1526,7 @@
           <p:cNvPr id="3" name="文本占位符 2">
             <a:extLst>
               <a:ext uri="{FF2B5EF4-FFF2-40B4-BE49-F238E27FC236}">
-                <a16:creationId xmlns:a16="http://schemas.microsoft.com/office/drawing/2014/main" id="{CFB71659-289D-7369-5FC5-D3BEBD00B9F8}"/>
+                <a16:creationId xmlns:a16="http://schemas.microsoft.com/office/drawing/2014/main" id="{E7AC6792-8E9D-8876-0149-4AE4EA47B657}"/>
               </a:ext>
             </a:extLst>
           </p:cNvPr>
@@ -1597,7 +1597,7 @@
           <p:cNvPr id="4" name="内容占位符 3">
             <a:extLst>
               <a:ext uri="{FF2B5EF4-FFF2-40B4-BE49-F238E27FC236}">
-                <a16:creationId xmlns:a16="http://schemas.microsoft.com/office/drawing/2014/main" id="{A917E086-6ABC-ED4F-FB7A-0E589B5FCA4B}"/>
+                <a16:creationId xmlns:a16="http://schemas.microsoft.com/office/drawing/2014/main" id="{258B852A-1633-5547-4D85-27B6B4D82692}"/>
               </a:ext>
             </a:extLst>
           </p:cNvPr>
@@ -1659,7 +1659,7 @@
           <p:cNvPr id="5" name="文本占位符 4">
             <a:extLst>
               <a:ext uri="{FF2B5EF4-FFF2-40B4-BE49-F238E27FC236}">
-                <a16:creationId xmlns:a16="http://schemas.microsoft.com/office/drawing/2014/main" id="{6172A967-EE3A-188C-0FBF-BE1E2EFB3879}"/>
+                <a16:creationId xmlns:a16="http://schemas.microsoft.com/office/drawing/2014/main" id="{3DCD41A7-FCF2-8C04-5144-288B55EABE3F}"/>
               </a:ext>
             </a:extLst>
           </p:cNvPr>
@@ -1730,7 +1730,7 @@
           <p:cNvPr id="6" name="内容占位符 5">
             <a:extLst>
               <a:ext uri="{FF2B5EF4-FFF2-40B4-BE49-F238E27FC236}">
-                <a16:creationId xmlns:a16="http://schemas.microsoft.com/office/drawing/2014/main" id="{288C4C9F-9690-29A7-6F25-5321DCBD372A}"/>
+                <a16:creationId xmlns:a16="http://schemas.microsoft.com/office/drawing/2014/main" id="{1FEDFD70-9103-8AC6-EA3D-BD74536522DD}"/>
               </a:ext>
             </a:extLst>
           </p:cNvPr>
@@ -1792,7 +1792,7 @@
           <p:cNvPr id="7" name="日期占位符 6">
             <a:extLst>
               <a:ext uri="{FF2B5EF4-FFF2-40B4-BE49-F238E27FC236}">
-                <a16:creationId xmlns:a16="http://schemas.microsoft.com/office/drawing/2014/main" id="{760F4C54-A21E-F6DA-5E52-ECDC82753D12}"/>
+                <a16:creationId xmlns:a16="http://schemas.microsoft.com/office/drawing/2014/main" id="{53E61252-A7DD-6192-A9FA-93AA06AE6893}"/>
               </a:ext>
             </a:extLst>
           </p:cNvPr>
@@ -1808,7 +1808,7 @@
           <a:bodyPr/>
           <a:lstStyle/>
           <a:p>
-            <a:fld id="{D617A9AA-3E0A-4552-9766-E77860AC7CA3}" type="datetimeFigureOut">
+            <a:fld id="{2B9D8797-259A-4301-A8C6-2271B7801B07}" type="datetimeFigureOut">
               <a:rPr lang="zh-CN" altLang="en-US" smtClean="0"/>
               <a:t>2024/3/10</a:t>
             </a:fld>
@@ -1821,7 +1821,7 @@
           <p:cNvPr id="8" name="页脚占位符 7">
             <a:extLst>
               <a:ext uri="{FF2B5EF4-FFF2-40B4-BE49-F238E27FC236}">
-                <a16:creationId xmlns:a16="http://schemas.microsoft.com/office/drawing/2014/main" id="{D4EA97D4-FEB2-3904-B37E-69DE6655F2C4}"/>
+                <a16:creationId xmlns:a16="http://schemas.microsoft.com/office/drawing/2014/main" id="{D5E5C514-62B6-A1BD-F9AA-8DB1E896FB1E}"/>
               </a:ext>
             </a:extLst>
           </p:cNvPr>
@@ -1846,7 +1846,7 @@
           <p:cNvPr id="9" name="灯片编号占位符 8">
             <a:extLst>
               <a:ext uri="{FF2B5EF4-FFF2-40B4-BE49-F238E27FC236}">
-                <a16:creationId xmlns:a16="http://schemas.microsoft.com/office/drawing/2014/main" id="{5D6F07AC-01C6-83BB-248C-52A534023E14}"/>
+                <a16:creationId xmlns:a16="http://schemas.microsoft.com/office/drawing/2014/main" id="{B97E2500-AEE0-660A-24A2-DFEDC83AC33F}"/>
               </a:ext>
             </a:extLst>
           </p:cNvPr>
@@ -1862,7 +1862,7 @@
           <a:bodyPr/>
           <a:lstStyle/>
           <a:p>
-            <a:fld id="{540CBC2D-9AFF-40C3-B10A-0BAE31851B3B}" type="slidenum">
+            <a:fld id="{85FBD0AD-6C4D-45E1-B2CB-19765C2C440B}" type="slidenum">
               <a:rPr lang="zh-CN" altLang="en-US" smtClean="0"/>
               <a:t>‹#›</a:t>
             </a:fld>
@@ -1873,7 +1873,7 @@
     </p:spTree>
     <p:extLst>
       <p:ext uri="{BB962C8B-B14F-4D97-AF65-F5344CB8AC3E}">
-        <p14:creationId xmlns:p14="http://schemas.microsoft.com/office/powerpoint/2010/main" val="3262971950"/>
+        <p14:creationId xmlns:p14="http://schemas.microsoft.com/office/powerpoint/2010/main" val="2550776639"/>
       </p:ext>
     </p:extLst>
   </p:cSld>
@@ -1905,7 +1905,7 @@
           <p:cNvPr id="2" name="标题 1">
             <a:extLst>
               <a:ext uri="{FF2B5EF4-FFF2-40B4-BE49-F238E27FC236}">
-                <a16:creationId xmlns:a16="http://schemas.microsoft.com/office/drawing/2014/main" id="{4BB3178E-CD05-98F3-B984-2D722BAA7143}"/>
+                <a16:creationId xmlns:a16="http://schemas.microsoft.com/office/drawing/2014/main" id="{25E89992-2ECE-57CD-10AB-8F7DAC98E1E3}"/>
               </a:ext>
             </a:extLst>
           </p:cNvPr>
@@ -1933,7 +1933,7 @@
           <p:cNvPr id="3" name="日期占位符 2">
             <a:extLst>
               <a:ext uri="{FF2B5EF4-FFF2-40B4-BE49-F238E27FC236}">
-                <a16:creationId xmlns:a16="http://schemas.microsoft.com/office/drawing/2014/main" id="{AF62693B-21D0-4421-572C-BB0EFD738F6F}"/>
+                <a16:creationId xmlns:a16="http://schemas.microsoft.com/office/drawing/2014/main" id="{1F04BACE-A57C-FA09-16C7-393D6A53F39E}"/>
               </a:ext>
             </a:extLst>
           </p:cNvPr>
@@ -1949,7 +1949,7 @@
           <a:bodyPr/>
           <a:lstStyle/>
           <a:p>
-            <a:fld id="{D617A9AA-3E0A-4552-9766-E77860AC7CA3}" type="datetimeFigureOut">
+            <a:fld id="{2B9D8797-259A-4301-A8C6-2271B7801B07}" type="datetimeFigureOut">
               <a:rPr lang="zh-CN" altLang="en-US" smtClean="0"/>
               <a:t>2024/3/10</a:t>
             </a:fld>
@@ -1962,7 +1962,7 @@
           <p:cNvPr id="4" name="页脚占位符 3">
             <a:extLst>
               <a:ext uri="{FF2B5EF4-FFF2-40B4-BE49-F238E27FC236}">
-                <a16:creationId xmlns:a16="http://schemas.microsoft.com/office/drawing/2014/main" id="{B5A2362E-525E-CD43-739D-83A6EFFB76DA}"/>
+                <a16:creationId xmlns:a16="http://schemas.microsoft.com/office/drawing/2014/main" id="{00689EE3-AE7B-B862-D8FE-B7BDB9DB922B}"/>
               </a:ext>
             </a:extLst>
           </p:cNvPr>
@@ -1987,7 +1987,7 @@
           <p:cNvPr id="5" name="灯片编号占位符 4">
             <a:extLst>
               <a:ext uri="{FF2B5EF4-FFF2-40B4-BE49-F238E27FC236}">
-                <a16:creationId xmlns:a16="http://schemas.microsoft.com/office/drawing/2014/main" id="{A03AD7D7-4431-C583-DBD2-FCB6B447E815}"/>
+                <a16:creationId xmlns:a16="http://schemas.microsoft.com/office/drawing/2014/main" id="{6C645579-F011-08E1-3D6A-C83418A64A01}"/>
               </a:ext>
             </a:extLst>
           </p:cNvPr>
@@ -2003,7 +2003,7 @@
           <a:bodyPr/>
           <a:lstStyle/>
           <a:p>
-            <a:fld id="{540CBC2D-9AFF-40C3-B10A-0BAE31851B3B}" type="slidenum">
+            <a:fld id="{85FBD0AD-6C4D-45E1-B2CB-19765C2C440B}" type="slidenum">
               <a:rPr lang="zh-CN" altLang="en-US" smtClean="0"/>
               <a:t>‹#›</a:t>
             </a:fld>
@@ -2014,7 +2014,7 @@
     </p:spTree>
     <p:extLst>
       <p:ext uri="{BB962C8B-B14F-4D97-AF65-F5344CB8AC3E}">
-        <p14:creationId xmlns:p14="http://schemas.microsoft.com/office/powerpoint/2010/main" val="494886247"/>
+        <p14:creationId xmlns:p14="http://schemas.microsoft.com/office/powerpoint/2010/main" val="3788686301"/>
       </p:ext>
     </p:extLst>
   </p:cSld>
@@ -2046,7 +2046,7 @@
           <p:cNvPr id="2" name="日期占位符 1">
             <a:extLst>
               <a:ext uri="{FF2B5EF4-FFF2-40B4-BE49-F238E27FC236}">
-                <a16:creationId xmlns:a16="http://schemas.microsoft.com/office/drawing/2014/main" id="{2D74D859-BD91-F15A-FA7B-0696673DF4D3}"/>
+                <a16:creationId xmlns:a16="http://schemas.microsoft.com/office/drawing/2014/main" id="{B5A08C62-D8A6-EE94-9E2B-AEEEC9598664}"/>
               </a:ext>
             </a:extLst>
           </p:cNvPr>
@@ -2062,7 +2062,7 @@
           <a:bodyPr/>
           <a:lstStyle/>
           <a:p>
-            <a:fld id="{D617A9AA-3E0A-4552-9766-E77860AC7CA3}" type="datetimeFigureOut">
+            <a:fld id="{2B9D8797-259A-4301-A8C6-2271B7801B07}" type="datetimeFigureOut">
               <a:rPr lang="zh-CN" altLang="en-US" smtClean="0"/>
               <a:t>2024/3/10</a:t>
             </a:fld>
@@ -2075,7 +2075,7 @@
           <p:cNvPr id="3" name="页脚占位符 2">
             <a:extLst>
               <a:ext uri="{FF2B5EF4-FFF2-40B4-BE49-F238E27FC236}">
-                <a16:creationId xmlns:a16="http://schemas.microsoft.com/office/drawing/2014/main" id="{A648346D-01BF-346D-FBCD-FF17BF261581}"/>
+                <a16:creationId xmlns:a16="http://schemas.microsoft.com/office/drawing/2014/main" id="{D9FD78D6-6031-3AD9-AA9E-988975DB19DA}"/>
               </a:ext>
             </a:extLst>
           </p:cNvPr>
@@ -2100,7 +2100,7 @@
           <p:cNvPr id="4" name="灯片编号占位符 3">
             <a:extLst>
               <a:ext uri="{FF2B5EF4-FFF2-40B4-BE49-F238E27FC236}">
-                <a16:creationId xmlns:a16="http://schemas.microsoft.com/office/drawing/2014/main" id="{0BC7EE1A-4E11-E366-2A83-0C45CEF871A5}"/>
+                <a16:creationId xmlns:a16="http://schemas.microsoft.com/office/drawing/2014/main" id="{7BA3881F-3A67-C280-0A29-176181380516}"/>
               </a:ext>
             </a:extLst>
           </p:cNvPr>
@@ -2116,7 +2116,7 @@
           <a:bodyPr/>
           <a:lstStyle/>
           <a:p>
-            <a:fld id="{540CBC2D-9AFF-40C3-B10A-0BAE31851B3B}" type="slidenum">
+            <a:fld id="{85FBD0AD-6C4D-45E1-B2CB-19765C2C440B}" type="slidenum">
               <a:rPr lang="zh-CN" altLang="en-US" smtClean="0"/>
               <a:t>‹#›</a:t>
             </a:fld>
@@ -2127,7 +2127,7 @@
     </p:spTree>
     <p:extLst>
       <p:ext uri="{BB962C8B-B14F-4D97-AF65-F5344CB8AC3E}">
-        <p14:creationId xmlns:p14="http://schemas.microsoft.com/office/powerpoint/2010/main" val="3108815081"/>
+        <p14:creationId xmlns:p14="http://schemas.microsoft.com/office/powerpoint/2010/main" val="1042803872"/>
       </p:ext>
     </p:extLst>
   </p:cSld>
@@ -2159,7 +2159,7 @@
           <p:cNvPr id="2" name="标题 1">
             <a:extLst>
               <a:ext uri="{FF2B5EF4-FFF2-40B4-BE49-F238E27FC236}">
-                <a16:creationId xmlns:a16="http://schemas.microsoft.com/office/drawing/2014/main" id="{06388A4D-A7DD-E5C4-4966-EBAE84C9457C}"/>
+                <a16:creationId xmlns:a16="http://schemas.microsoft.com/office/drawing/2014/main" id="{0F04BB48-A2B1-4D08-5846-B1DFB671AC87}"/>
               </a:ext>
             </a:extLst>
           </p:cNvPr>
@@ -2196,7 +2196,7 @@
           <p:cNvPr id="3" name="内容占位符 2">
             <a:extLst>
               <a:ext uri="{FF2B5EF4-FFF2-40B4-BE49-F238E27FC236}">
-                <a16:creationId xmlns:a16="http://schemas.microsoft.com/office/drawing/2014/main" id="{75E33132-DB7D-F90E-4A88-0F080D5AEE0B}"/>
+                <a16:creationId xmlns:a16="http://schemas.microsoft.com/office/drawing/2014/main" id="{817430BA-0DBA-4255-53A0-0095A1B7B810}"/>
               </a:ext>
             </a:extLst>
           </p:cNvPr>
@@ -2286,7 +2286,7 @@
           <p:cNvPr id="4" name="文本占位符 3">
             <a:extLst>
               <a:ext uri="{FF2B5EF4-FFF2-40B4-BE49-F238E27FC236}">
-                <a16:creationId xmlns:a16="http://schemas.microsoft.com/office/drawing/2014/main" id="{A9868A0F-8650-8297-B26D-95D0DDC7604B}"/>
+                <a16:creationId xmlns:a16="http://schemas.microsoft.com/office/drawing/2014/main" id="{B0507467-3FEB-47B6-C370-D914878B7EF8}"/>
               </a:ext>
             </a:extLst>
           </p:cNvPr>
@@ -2357,7 +2357,7 @@
           <p:cNvPr id="5" name="日期占位符 4">
             <a:extLst>
               <a:ext uri="{FF2B5EF4-FFF2-40B4-BE49-F238E27FC236}">
-                <a16:creationId xmlns:a16="http://schemas.microsoft.com/office/drawing/2014/main" id="{53AE3D2E-39F4-9DE5-391B-BEADE6FA9D34}"/>
+                <a16:creationId xmlns:a16="http://schemas.microsoft.com/office/drawing/2014/main" id="{EDB10BA5-C016-3DD4-ED0F-88BC8E1E54F4}"/>
               </a:ext>
             </a:extLst>
           </p:cNvPr>
@@ -2373,7 +2373,7 @@
           <a:bodyPr/>
           <a:lstStyle/>
           <a:p>
-            <a:fld id="{D617A9AA-3E0A-4552-9766-E77860AC7CA3}" type="datetimeFigureOut">
+            <a:fld id="{2B9D8797-259A-4301-A8C6-2271B7801B07}" type="datetimeFigureOut">
               <a:rPr lang="zh-CN" altLang="en-US" smtClean="0"/>
               <a:t>2024/3/10</a:t>
             </a:fld>
@@ -2386,7 +2386,7 @@
           <p:cNvPr id="6" name="页脚占位符 5">
             <a:extLst>
               <a:ext uri="{FF2B5EF4-FFF2-40B4-BE49-F238E27FC236}">
-                <a16:creationId xmlns:a16="http://schemas.microsoft.com/office/drawing/2014/main" id="{B02EE6F8-FBEC-7CD6-2E1C-0AF43E9CA560}"/>
+                <a16:creationId xmlns:a16="http://schemas.microsoft.com/office/drawing/2014/main" id="{3235C6FF-58C4-6580-27AF-215373DF69BF}"/>
               </a:ext>
             </a:extLst>
           </p:cNvPr>
@@ -2411,7 +2411,7 @@
           <p:cNvPr id="7" name="灯片编号占位符 6">
             <a:extLst>
               <a:ext uri="{FF2B5EF4-FFF2-40B4-BE49-F238E27FC236}">
-                <a16:creationId xmlns:a16="http://schemas.microsoft.com/office/drawing/2014/main" id="{87E7FCE9-55E8-E552-9AC9-EC6E4063B93A}"/>
+                <a16:creationId xmlns:a16="http://schemas.microsoft.com/office/drawing/2014/main" id="{1D73BA57-2607-2497-CA53-CF0BD4B58543}"/>
               </a:ext>
             </a:extLst>
           </p:cNvPr>
@@ -2427,7 +2427,7 @@
           <a:bodyPr/>
           <a:lstStyle/>
           <a:p>
-            <a:fld id="{540CBC2D-9AFF-40C3-B10A-0BAE31851B3B}" type="slidenum">
+            <a:fld id="{85FBD0AD-6C4D-45E1-B2CB-19765C2C440B}" type="slidenum">
               <a:rPr lang="zh-CN" altLang="en-US" smtClean="0"/>
               <a:t>‹#›</a:t>
             </a:fld>
@@ -2438,7 +2438,7 @@
     </p:spTree>
     <p:extLst>
       <p:ext uri="{BB962C8B-B14F-4D97-AF65-F5344CB8AC3E}">
-        <p14:creationId xmlns:p14="http://schemas.microsoft.com/office/powerpoint/2010/main" val="2206437007"/>
+        <p14:creationId xmlns:p14="http://schemas.microsoft.com/office/powerpoint/2010/main" val="724650122"/>
       </p:ext>
     </p:extLst>
   </p:cSld>
@@ -2470,7 +2470,7 @@
           <p:cNvPr id="2" name="标题 1">
             <a:extLst>
               <a:ext uri="{FF2B5EF4-FFF2-40B4-BE49-F238E27FC236}">
-                <a16:creationId xmlns:a16="http://schemas.microsoft.com/office/drawing/2014/main" id="{4749A198-56F3-D373-2772-DD9F1743862D}"/>
+                <a16:creationId xmlns:a16="http://schemas.microsoft.com/office/drawing/2014/main" id="{FFD4D07F-AE9B-FADD-9557-BE21544E3B96}"/>
               </a:ext>
             </a:extLst>
           </p:cNvPr>
@@ -2507,7 +2507,7 @@
           <p:cNvPr id="3" name="图片占位符 2">
             <a:extLst>
               <a:ext uri="{FF2B5EF4-FFF2-40B4-BE49-F238E27FC236}">
-                <a16:creationId xmlns:a16="http://schemas.microsoft.com/office/drawing/2014/main" id="{CFB69AE8-3636-75D5-88E9-F52EE4ABD8EC}"/>
+                <a16:creationId xmlns:a16="http://schemas.microsoft.com/office/drawing/2014/main" id="{AA23304A-E1BA-4AB9-CC1C-D21F54D62A45}"/>
               </a:ext>
             </a:extLst>
           </p:cNvPr>
@@ -2574,7 +2574,7 @@
           <p:cNvPr id="4" name="文本占位符 3">
             <a:extLst>
               <a:ext uri="{FF2B5EF4-FFF2-40B4-BE49-F238E27FC236}">
-                <a16:creationId xmlns:a16="http://schemas.microsoft.com/office/drawing/2014/main" id="{94E5B1CF-F9B5-B474-BC91-3103142E4353}"/>
+                <a16:creationId xmlns:a16="http://schemas.microsoft.com/office/drawing/2014/main" id="{84C98519-441E-87E3-745E-87CD9EF8BA14}"/>
               </a:ext>
             </a:extLst>
           </p:cNvPr>
@@ -2645,7 +2645,7 @@
           <p:cNvPr id="5" name="日期占位符 4">
             <a:extLst>
               <a:ext uri="{FF2B5EF4-FFF2-40B4-BE49-F238E27FC236}">
-                <a16:creationId xmlns:a16="http://schemas.microsoft.com/office/drawing/2014/main" id="{F322BB96-BD47-6C7E-9B41-40DEB1D9DA1B}"/>
+                <a16:creationId xmlns:a16="http://schemas.microsoft.com/office/drawing/2014/main" id="{9FAB98B9-7521-B271-F081-6580993691F9}"/>
               </a:ext>
             </a:extLst>
           </p:cNvPr>
@@ -2661,7 +2661,7 @@
           <a:bodyPr/>
           <a:lstStyle/>
           <a:p>
-            <a:fld id="{D617A9AA-3E0A-4552-9766-E77860AC7CA3}" type="datetimeFigureOut">
+            <a:fld id="{2B9D8797-259A-4301-A8C6-2271B7801B07}" type="datetimeFigureOut">
               <a:rPr lang="zh-CN" altLang="en-US" smtClean="0"/>
               <a:t>2024/3/10</a:t>
             </a:fld>
@@ -2674,7 +2674,7 @@
           <p:cNvPr id="6" name="页脚占位符 5">
             <a:extLst>
               <a:ext uri="{FF2B5EF4-FFF2-40B4-BE49-F238E27FC236}">
-                <a16:creationId xmlns:a16="http://schemas.microsoft.com/office/drawing/2014/main" id="{AF3ADDE0-2F9A-21DA-2694-F90CC1B0B54A}"/>
+                <a16:creationId xmlns:a16="http://schemas.microsoft.com/office/drawing/2014/main" id="{B083F176-728B-E349-CBAF-893059344967}"/>
               </a:ext>
             </a:extLst>
           </p:cNvPr>
@@ -2699,7 +2699,7 @@
           <p:cNvPr id="7" name="灯片编号占位符 6">
             <a:extLst>
               <a:ext uri="{FF2B5EF4-FFF2-40B4-BE49-F238E27FC236}">
-                <a16:creationId xmlns:a16="http://schemas.microsoft.com/office/drawing/2014/main" id="{8E8C4C5E-7AA7-3002-EC98-EDCED1EAF328}"/>
+                <a16:creationId xmlns:a16="http://schemas.microsoft.com/office/drawing/2014/main" id="{3BADC1CE-B379-38CB-E6CF-C390FE2915B2}"/>
               </a:ext>
             </a:extLst>
           </p:cNvPr>
@@ -2715,7 +2715,7 @@
           <a:bodyPr/>
           <a:lstStyle/>
           <a:p>
-            <a:fld id="{540CBC2D-9AFF-40C3-B10A-0BAE31851B3B}" type="slidenum">
+            <a:fld id="{85FBD0AD-6C4D-45E1-B2CB-19765C2C440B}" type="slidenum">
               <a:rPr lang="zh-CN" altLang="en-US" smtClean="0"/>
               <a:t>‹#›</a:t>
             </a:fld>
@@ -2726,7 +2726,7 @@
     </p:spTree>
     <p:extLst>
       <p:ext uri="{BB962C8B-B14F-4D97-AF65-F5344CB8AC3E}">
-        <p14:creationId xmlns:p14="http://schemas.microsoft.com/office/powerpoint/2010/main" val="412493540"/>
+        <p14:creationId xmlns:p14="http://schemas.microsoft.com/office/powerpoint/2010/main" val="1243783426"/>
       </p:ext>
     </p:extLst>
   </p:cSld>
@@ -2763,7 +2763,7 @@
           <p:cNvPr id="2" name="标题占位符 1">
             <a:extLst>
               <a:ext uri="{FF2B5EF4-FFF2-40B4-BE49-F238E27FC236}">
-                <a16:creationId xmlns:a16="http://schemas.microsoft.com/office/drawing/2014/main" id="{799C09A5-278D-3BCA-058D-0506EE1A4FF8}"/>
+                <a16:creationId xmlns:a16="http://schemas.microsoft.com/office/drawing/2014/main" id="{23DCC076-5BB2-A0F5-B2C1-C8930165B96A}"/>
               </a:ext>
             </a:extLst>
           </p:cNvPr>
@@ -2801,7 +2801,7 @@
           <p:cNvPr id="3" name="文本占位符 2">
             <a:extLst>
               <a:ext uri="{FF2B5EF4-FFF2-40B4-BE49-F238E27FC236}">
-                <a16:creationId xmlns:a16="http://schemas.microsoft.com/office/drawing/2014/main" id="{321AEF82-7034-6241-CBFE-A0B9D3BE0247}"/>
+                <a16:creationId xmlns:a16="http://schemas.microsoft.com/office/drawing/2014/main" id="{7406CE4F-96E9-0E72-0E0A-2293B80BEA72}"/>
               </a:ext>
             </a:extLst>
           </p:cNvPr>
@@ -2868,7 +2868,7 @@
           <p:cNvPr id="4" name="日期占位符 3">
             <a:extLst>
               <a:ext uri="{FF2B5EF4-FFF2-40B4-BE49-F238E27FC236}">
-                <a16:creationId xmlns:a16="http://schemas.microsoft.com/office/drawing/2014/main" id="{E4FA0050-6C0C-7834-A110-0802EB5FE008}"/>
+                <a16:creationId xmlns:a16="http://schemas.microsoft.com/office/drawing/2014/main" id="{E986DF33-E892-22F0-CC06-FEA3165CFC08}"/>
               </a:ext>
             </a:extLst>
           </p:cNvPr>
@@ -2902,7 +2902,7 @@
             </a:lvl1pPr>
           </a:lstStyle>
           <a:p>
-            <a:fld id="{D617A9AA-3E0A-4552-9766-E77860AC7CA3}" type="datetimeFigureOut">
+            <a:fld id="{2B9D8797-259A-4301-A8C6-2271B7801B07}" type="datetimeFigureOut">
               <a:rPr lang="zh-CN" altLang="en-US" smtClean="0"/>
               <a:t>2024/3/10</a:t>
             </a:fld>
@@ -2915,7 +2915,7 @@
           <p:cNvPr id="5" name="页脚占位符 4">
             <a:extLst>
               <a:ext uri="{FF2B5EF4-FFF2-40B4-BE49-F238E27FC236}">
-                <a16:creationId xmlns:a16="http://schemas.microsoft.com/office/drawing/2014/main" id="{A9923A5F-9503-50AC-018E-88473D97D312}"/>
+                <a16:creationId xmlns:a16="http://schemas.microsoft.com/office/drawing/2014/main" id="{A587B5D3-2E8A-C681-70EB-DE2BE99CEA7F}"/>
               </a:ext>
             </a:extLst>
           </p:cNvPr>
@@ -2958,7 +2958,7 @@
           <p:cNvPr id="6" name="灯片编号占位符 5">
             <a:extLst>
               <a:ext uri="{FF2B5EF4-FFF2-40B4-BE49-F238E27FC236}">
-                <a16:creationId xmlns:a16="http://schemas.microsoft.com/office/drawing/2014/main" id="{7C99B3DB-F849-EB1C-B0D0-F031BB7B127E}"/>
+                <a16:creationId xmlns:a16="http://schemas.microsoft.com/office/drawing/2014/main" id="{2B526678-E3F0-5D16-52ED-9C3958203980}"/>
               </a:ext>
             </a:extLst>
           </p:cNvPr>
@@ -2992,7 +2992,7 @@
             </a:lvl1pPr>
           </a:lstStyle>
           <a:p>
-            <a:fld id="{540CBC2D-9AFF-40C3-B10A-0BAE31851B3B}" type="slidenum">
+            <a:fld id="{85FBD0AD-6C4D-45E1-B2CB-19765C2C440B}" type="slidenum">
               <a:rPr lang="zh-CN" altLang="en-US" smtClean="0"/>
               <a:t>‹#›</a:t>
             </a:fld>
@@ -3003,7 +3003,7 @@
     </p:spTree>
     <p:extLst>
       <p:ext uri="{BB962C8B-B14F-4D97-AF65-F5344CB8AC3E}">
-        <p14:creationId xmlns:p14="http://schemas.microsoft.com/office/powerpoint/2010/main" val="2573514701"/>
+        <p14:creationId xmlns:p14="http://schemas.microsoft.com/office/powerpoint/2010/main" val="2926156809"/>
       </p:ext>
     </p:extLst>
   </p:cSld>
